--- a/material/OT-Git/03_GitHub.pptx
+++ b/material/OT-Git/03_GitHub.pptx
@@ -224,7 +224,7 @@
           <a:p>
             <a:fld id="{2EF3F159-7250-4DD4-91C2-13B35D56E1AF}" type="datetimeFigureOut">
               <a:rPr lang="ko-KR" altLang="en-US" smtClean="0"/>
-              <a:t>2024-12-10</a:t>
+              <a:t>2025-04-23</a:t>
             </a:fld>
             <a:endParaRPr lang="ko-KR" altLang="en-US"/>
           </a:p>
@@ -1338,7 +1338,7 @@
           <a:p>
             <a:fld id="{442BEE3F-2E9A-4FD8-8B8A-8619F3E161C0}" type="datetime1">
               <a:rPr lang="ko-KR" altLang="en-US" smtClean="0"/>
-              <a:t>2024-12-10</a:t>
+              <a:t>2025-04-23</a:t>
             </a:fld>
             <a:endParaRPr lang="ko-KR" altLang="en-US"/>
           </a:p>
@@ -1524,7 +1524,7 @@
           <a:p>
             <a:fld id="{2EAE422B-0E68-47B5-84BB-CA2BDA8EE46C}" type="datetime1">
               <a:rPr lang="ko-KR" altLang="en-US" smtClean="0"/>
-              <a:t>2024-12-10</a:t>
+              <a:t>2025-04-23</a:t>
             </a:fld>
             <a:endParaRPr lang="ko-KR" altLang="en-US"/>
           </a:p>
@@ -1732,7 +1732,7 @@
           <a:p>
             <a:fld id="{AF7C623F-179B-417F-99B6-50F6DF228D4B}" type="datetime1">
               <a:rPr lang="ko-KR" altLang="en-US" smtClean="0"/>
-              <a:t>2024-12-10</a:t>
+              <a:t>2025-04-23</a:t>
             </a:fld>
             <a:endParaRPr lang="ko-KR" altLang="en-US"/>
           </a:p>
@@ -1968,7 +1968,7 @@
           <a:p>
             <a:fld id="{0F78D9C4-20C1-4B15-A116-16DC77AD9A1E}" type="datetime1">
               <a:rPr lang="ko-KR" altLang="en-US" smtClean="0"/>
-              <a:t>2024-12-10</a:t>
+              <a:t>2025-04-23</a:t>
             </a:fld>
             <a:endParaRPr lang="ko-KR" altLang="en-US"/>
           </a:p>
@@ -2243,7 +2243,7 @@
           <a:p>
             <a:fld id="{C7F43723-C509-4DEA-8428-B50818F79709}" type="datetime1">
               <a:rPr lang="ko-KR" altLang="en-US" smtClean="0"/>
-              <a:t>2024-12-10</a:t>
+              <a:t>2025-04-23</a:t>
             </a:fld>
             <a:endParaRPr lang="ko-KR" altLang="en-US"/>
           </a:p>
@@ -2508,7 +2508,7 @@
           <a:p>
             <a:fld id="{5D2B7482-EE74-4DBD-97F4-D0DAC0C0E4E5}" type="datetime1">
               <a:rPr lang="ko-KR" altLang="en-US" smtClean="0"/>
-              <a:t>2024-12-10</a:t>
+              <a:t>2025-04-23</a:t>
             </a:fld>
             <a:endParaRPr lang="ko-KR" altLang="en-US"/>
           </a:p>
@@ -2921,7 +2921,7 @@
           <a:p>
             <a:fld id="{051A8C49-CED7-4A86-9B4A-621D7F62EE92}" type="datetime1">
               <a:rPr lang="ko-KR" altLang="en-US" smtClean="0"/>
-              <a:t>2024-12-10</a:t>
+              <a:t>2025-04-23</a:t>
             </a:fld>
             <a:endParaRPr lang="ko-KR" altLang="en-US"/>
           </a:p>
@@ -3068,7 +3068,7 @@
           <a:p>
             <a:fld id="{84082D76-7079-412D-848B-E1B9E7A6A286}" type="datetime1">
               <a:rPr lang="ko-KR" altLang="en-US" smtClean="0"/>
-              <a:t>2024-12-10</a:t>
+              <a:t>2025-04-23</a:t>
             </a:fld>
             <a:endParaRPr lang="ko-KR" altLang="en-US"/>
           </a:p>
@@ -3181,7 +3181,7 @@
           <a:p>
             <a:fld id="{10C5FEB5-5F88-4F49-9108-1795E314F09F}" type="datetime1">
               <a:rPr lang="ko-KR" altLang="en-US" smtClean="0"/>
-              <a:t>2024-12-10</a:t>
+              <a:t>2025-04-23</a:t>
             </a:fld>
             <a:endParaRPr lang="ko-KR" altLang="en-US"/>
           </a:p>
@@ -3492,7 +3492,7 @@
           <a:p>
             <a:fld id="{E37ABBEE-D8D4-48AD-9887-4DC578B8A684}" type="datetime1">
               <a:rPr lang="ko-KR" altLang="en-US" smtClean="0"/>
-              <a:t>2024-12-10</a:t>
+              <a:t>2025-04-23</a:t>
             </a:fld>
             <a:endParaRPr lang="ko-KR" altLang="en-US"/>
           </a:p>
@@ -3783,7 +3783,7 @@
           <a:p>
             <a:fld id="{A2D6A55C-F3DD-45DD-9D50-F8680410167D}" type="datetime1">
               <a:rPr lang="ko-KR" altLang="en-US" smtClean="0"/>
-              <a:t>2024-12-10</a:t>
+              <a:t>2025-04-23</a:t>
             </a:fld>
             <a:endParaRPr lang="ko-KR" altLang="en-US"/>
           </a:p>
@@ -4027,7 +4027,7 @@
             <a:fld id="{7F5E23C3-0E3D-4E4E-8486-D7FB4C073DC1}" type="datetime1">
               <a:rPr lang="ko-KR" altLang="en-US" smtClean="0"/>
               <a:pPr/>
-              <a:t>2024-12-10</a:t>
+              <a:t>2025-04-23</a:t>
             </a:fld>
             <a:endParaRPr lang="ko-KR" altLang="en-US" dirty="0"/>
           </a:p>
@@ -4143,7 +4143,7 @@
           <p:nvPr/>
         </p:nvPicPr>
         <p:blipFill>
-          <a:blip r:embed="rId13">
+          <a:blip r:embed="rId13" cstate="hqprint">
             <a:extLst>
               <a:ext uri="{28A0092B-C50C-407E-A947-70E740481C1C}">
                 <a14:useLocalDpi xmlns:a14="http://schemas.microsoft.com/office/drawing/2010/main" val="0"/>
@@ -4509,7 +4509,7 @@
           <a:p>
             <a:fld id="{D5470E82-21E3-488C-BCDC-EB030ADC6AB3}" type="datetime6">
               <a:rPr lang="ko-KR" altLang="en-US" smtClean="0"/>
-              <a:t>2024년 12월</a:t>
+              <a:t>2025년 4월</a:t>
             </a:fld>
             <a:endParaRPr lang="ko-KR" altLang="en-US"/>
           </a:p>
@@ -4891,7 +4891,7 @@
           <a:p>
             <a:fld id="{0F78D9C4-20C1-4B15-A116-16DC77AD9A1E}" type="datetime1">
               <a:rPr lang="ko-KR" altLang="en-US" smtClean="0"/>
-              <a:t>2024-12-10</a:t>
+              <a:t>2025-04-23</a:t>
             </a:fld>
             <a:endParaRPr lang="ko-KR" altLang="en-US"/>
           </a:p>
@@ -5210,7 +5210,7 @@
           <a:p>
             <a:fld id="{0F78D9C4-20C1-4B15-A116-16DC77AD9A1E}" type="datetime1">
               <a:rPr lang="ko-KR" altLang="en-US" smtClean="0"/>
-              <a:t>2024-12-10</a:t>
+              <a:t>2025-04-23</a:t>
             </a:fld>
             <a:endParaRPr lang="ko-KR" altLang="en-US"/>
           </a:p>
@@ -5396,7 +5396,7 @@
           <a:p>
             <a:fld id="{0F78D9C4-20C1-4B15-A116-16DC77AD9A1E}" type="datetime1">
               <a:rPr lang="ko-KR" altLang="en-US" smtClean="0"/>
-              <a:t>2024-12-10</a:t>
+              <a:t>2025-04-23</a:t>
             </a:fld>
             <a:endParaRPr lang="ko-KR" altLang="en-US"/>
           </a:p>
@@ -5700,7 +5700,7 @@
           <a:p>
             <a:fld id="{0F78D9C4-20C1-4B15-A116-16DC77AD9A1E}" type="datetime1">
               <a:rPr lang="ko-KR" altLang="en-US" smtClean="0"/>
-              <a:t>2024-12-10</a:t>
+              <a:t>2025-04-23</a:t>
             </a:fld>
             <a:endParaRPr lang="ko-KR" altLang="en-US"/>
           </a:p>
@@ -6144,7 +6144,7 @@
           <a:p>
             <a:fld id="{0F78D9C4-20C1-4B15-A116-16DC77AD9A1E}" type="datetime1">
               <a:rPr lang="ko-KR" altLang="en-US" smtClean="0"/>
-              <a:t>2024-12-10</a:t>
+              <a:t>2025-04-23</a:t>
             </a:fld>
             <a:endParaRPr lang="ko-KR" altLang="en-US"/>
           </a:p>
@@ -7206,7 +7206,7 @@
           <a:p>
             <a:fld id="{0F78D9C4-20C1-4B15-A116-16DC77AD9A1E}" type="datetime1">
               <a:rPr lang="ko-KR" altLang="en-US" smtClean="0"/>
-              <a:t>2024-12-10</a:t>
+              <a:t>2025-04-23</a:t>
             </a:fld>
             <a:endParaRPr lang="ko-KR" altLang="en-US"/>
           </a:p>
@@ -7590,7 +7590,7 @@
           <a:p>
             <a:fld id="{0F78D9C4-20C1-4B15-A116-16DC77AD9A1E}" type="datetime1">
               <a:rPr lang="ko-KR" altLang="en-US" smtClean="0"/>
-              <a:t>2024-12-10</a:t>
+              <a:t>2025-04-23</a:t>
             </a:fld>
             <a:endParaRPr lang="ko-KR" altLang="en-US"/>
           </a:p>
@@ -7801,7 +7801,7 @@
           <a:p>
             <a:fld id="{3C9CE3CE-253F-4F9D-BA15-C226C8D8501E}" type="datetime6">
               <a:rPr lang="ko-KR" altLang="en-US" smtClean="0"/>
-              <a:t>2024년 12월</a:t>
+              <a:t>2025년 4월</a:t>
             </a:fld>
             <a:endParaRPr lang="ko-KR" altLang="en-US"/>
           </a:p>
@@ -7953,7 +7953,7 @@
           <a:p>
             <a:fld id="{3C9CE3CE-253F-4F9D-BA15-C226C8D8501E}" type="datetime6">
               <a:rPr lang="ko-KR" altLang="en-US" smtClean="0"/>
-              <a:t>2024년 12월</a:t>
+              <a:t>2025년 4월</a:t>
             </a:fld>
             <a:endParaRPr lang="ko-KR" altLang="en-US"/>
           </a:p>
@@ -8171,7 +8171,7 @@
           <a:p>
             <a:fld id="{3C9CE3CE-253F-4F9D-BA15-C226C8D8501E}" type="datetime6">
               <a:rPr lang="ko-KR" altLang="en-US" smtClean="0"/>
-              <a:t>2024년 12월</a:t>
+              <a:t>2025년 4월</a:t>
             </a:fld>
             <a:endParaRPr lang="ko-KR" altLang="en-US"/>
           </a:p>
@@ -8590,7 +8590,7 @@
           <a:p>
             <a:fld id="{0F78D9C4-20C1-4B15-A116-16DC77AD9A1E}" type="datetime1">
               <a:rPr lang="ko-KR" altLang="en-US" smtClean="0"/>
-              <a:t>2024-12-10</a:t>
+              <a:t>2025-04-23</a:t>
             </a:fld>
             <a:endParaRPr lang="ko-KR" altLang="en-US"/>
           </a:p>
@@ -8687,7 +8687,7 @@
           <p:nvPr/>
         </p:nvPicPr>
         <p:blipFill>
-          <a:blip r:embed="rId3">
+          <a:blip r:embed="rId3" cstate="hqprint">
             <a:extLst>
               <a:ext uri="{28A0092B-C50C-407E-A947-70E740481C1C}">
                 <a14:useLocalDpi xmlns:a14="http://schemas.microsoft.com/office/drawing/2010/main" val="0"/>
@@ -9216,7 +9216,7 @@
           <a:p>
             <a:fld id="{3C9CE3CE-253F-4F9D-BA15-C226C8D8501E}" type="datetime6">
               <a:rPr lang="ko-KR" altLang="en-US" smtClean="0"/>
-              <a:t>2024년 12월</a:t>
+              <a:t>2025년 4월</a:t>
             </a:fld>
             <a:endParaRPr lang="ko-KR" altLang="en-US"/>
           </a:p>
@@ -9538,7 +9538,7 @@
           <a:p>
             <a:fld id="{3C9CE3CE-253F-4F9D-BA15-C226C8D8501E}" type="datetime6">
               <a:rPr lang="ko-KR" altLang="en-US" smtClean="0"/>
-              <a:t>2024년 12월</a:t>
+              <a:t>2025년 4월</a:t>
             </a:fld>
             <a:endParaRPr lang="ko-KR" altLang="en-US"/>
           </a:p>
@@ -9860,7 +9860,7 @@
           <a:p>
             <a:fld id="{3C9CE3CE-253F-4F9D-BA15-C226C8D8501E}" type="datetime6">
               <a:rPr lang="ko-KR" altLang="en-US" smtClean="0"/>
-              <a:t>2024년 12월</a:t>
+              <a:t>2025년 4월</a:t>
             </a:fld>
             <a:endParaRPr lang="ko-KR" altLang="en-US"/>
           </a:p>
@@ -10714,7 +10714,7 @@
           <a:p>
             <a:fld id="{3C9CE3CE-253F-4F9D-BA15-C226C8D8501E}" type="datetime6">
               <a:rPr lang="ko-KR" altLang="en-US" smtClean="0"/>
-              <a:t>2024년 12월</a:t>
+              <a:t>2025년 4월</a:t>
             </a:fld>
             <a:endParaRPr lang="ko-KR" altLang="en-US"/>
           </a:p>
@@ -10991,7 +10991,7 @@
           <a:p>
             <a:fld id="{3C9CE3CE-253F-4F9D-BA15-C226C8D8501E}" type="datetime6">
               <a:rPr lang="ko-KR" altLang="en-US" smtClean="0"/>
-              <a:t>2024년 12월</a:t>
+              <a:t>2025년 4월</a:t>
             </a:fld>
             <a:endParaRPr lang="ko-KR" altLang="en-US"/>
           </a:p>
@@ -11741,7 +11741,7 @@
               <a:t>슬랙에</a:t>
             </a:r>
             <a:r>
-              <a:rPr lang="ko-KR" altLang="en-US"/>
+              <a:rPr lang="ko-KR" altLang="en-US" dirty="0"/>
               <a:t> 댓글로 제출</a:t>
             </a:r>
             <a:endParaRPr lang="en-US" altLang="ko-KR" dirty="0"/>
@@ -11792,7 +11792,7 @@
           <a:p>
             <a:fld id="{0F78D9C4-20C1-4B15-A116-16DC77AD9A1E}" type="datetime1">
               <a:rPr lang="ko-KR" altLang="en-US" smtClean="0"/>
-              <a:t>2024-12-10</a:t>
+              <a:t>2025-04-23</a:t>
             </a:fld>
             <a:endParaRPr lang="ko-KR" altLang="en-US"/>
           </a:p>
@@ -11886,7 +11886,7 @@
           <a:p>
             <a:fld id="{0F78D9C4-20C1-4B15-A116-16DC77AD9A1E}" type="datetime1">
               <a:rPr lang="ko-KR" altLang="en-US" smtClean="0"/>
-              <a:t>2024-12-10</a:t>
+              <a:t>2025-04-23</a:t>
             </a:fld>
             <a:endParaRPr lang="ko-KR" altLang="en-US"/>
           </a:p>
@@ -12003,7 +12003,7 @@
             <p:nvPr/>
           </p:nvPicPr>
           <p:blipFill>
-            <a:blip r:embed="rId4">
+            <a:blip r:embed="rId4" cstate="hqprint">
               <a:extLst>
                 <a:ext uri="{28A0092B-C50C-407E-A947-70E740481C1C}">
                   <a14:useLocalDpi xmlns:a14="http://schemas.microsoft.com/office/drawing/2010/main" val="0"/>
@@ -12115,7 +12115,7 @@
               <a:blip r:embed="rId5">
                 <a:extLst>
                   <a:ext uri="{96DAC541-7B7A-43D3-8B79-37D633B846F1}">
-                    <asvg:svgBlip xmlns:asvg="http://schemas.microsoft.com/office/drawing/2016/SVG/main" r:embed="rId6"/>
+                    <asvg:svgBlip xmlns:asvg="http://schemas.microsoft.com/office/drawing/2016/SVG/main" xmlns="" r:embed="rId6"/>
                   </a:ext>
                 </a:extLst>
               </a:blip>
@@ -12236,7 +12236,7 @@
             <a:blip r:embed="rId7">
               <a:extLst>
                 <a:ext uri="{96DAC541-7B7A-43D3-8B79-37D633B846F1}">
-                  <asvg:svgBlip xmlns:asvg="http://schemas.microsoft.com/office/drawing/2016/SVG/main" r:embed="rId8"/>
+                  <asvg:svgBlip xmlns:asvg="http://schemas.microsoft.com/office/drawing/2016/SVG/main" xmlns="" r:embed="rId8"/>
                 </a:ext>
               </a:extLst>
             </a:blip>
@@ -12501,7 +12501,7 @@
               <a:blip r:embed="rId5">
                 <a:extLst>
                   <a:ext uri="{96DAC541-7B7A-43D3-8B79-37D633B846F1}">
-                    <asvg:svgBlip xmlns:asvg="http://schemas.microsoft.com/office/drawing/2016/SVG/main" r:embed="rId6"/>
+                    <asvg:svgBlip xmlns:asvg="http://schemas.microsoft.com/office/drawing/2016/SVG/main" xmlns="" r:embed="rId6"/>
                   </a:ext>
                 </a:extLst>
               </a:blip>
@@ -13138,7 +13138,7 @@
           <a:p>
             <a:fld id="{D5470E82-21E3-488C-BCDC-EB030ADC6AB3}" type="datetime6">
               <a:rPr lang="ko-KR" altLang="en-US" smtClean="0"/>
-              <a:t>2024년 12월</a:t>
+              <a:t>2025년 4월</a:t>
             </a:fld>
             <a:endParaRPr lang="ko-KR" altLang="en-US"/>
           </a:p>
@@ -13686,7 +13686,7 @@
           <a:p>
             <a:fld id="{0F78D9C4-20C1-4B15-A116-16DC77AD9A1E}" type="datetime1">
               <a:rPr lang="ko-KR" altLang="en-US" smtClean="0"/>
-              <a:t>2024-12-10</a:t>
+              <a:t>2025-04-23</a:t>
             </a:fld>
             <a:endParaRPr lang="ko-KR" altLang="en-US"/>
           </a:p>
@@ -13881,7 +13881,7 @@
           <a:p>
             <a:fld id="{0F78D9C4-20C1-4B15-A116-16DC77AD9A1E}" type="datetime1">
               <a:rPr lang="ko-KR" altLang="en-US" smtClean="0"/>
-              <a:t>2024-12-10</a:t>
+              <a:t>2025-04-23</a:t>
             </a:fld>
             <a:endParaRPr lang="ko-KR" altLang="en-US"/>
           </a:p>
@@ -14222,7 +14222,7 @@
           <a:p>
             <a:fld id="{0F78D9C4-20C1-4B15-A116-16DC77AD9A1E}" type="datetime1">
               <a:rPr lang="ko-KR" altLang="en-US" smtClean="0"/>
-              <a:t>2024-12-10</a:t>
+              <a:t>2025-04-23</a:t>
             </a:fld>
             <a:endParaRPr lang="ko-KR" altLang="en-US"/>
           </a:p>
@@ -14486,7 +14486,7 @@
           <a:p>
             <a:fld id="{0F78D9C4-20C1-4B15-A116-16DC77AD9A1E}" type="datetime1">
               <a:rPr lang="ko-KR" altLang="en-US" smtClean="0"/>
-              <a:t>2024-12-10</a:t>
+              <a:t>2025-04-23</a:t>
             </a:fld>
             <a:endParaRPr lang="ko-KR" altLang="en-US"/>
           </a:p>
@@ -14960,7 +14960,7 @@
           <a:p>
             <a:fld id="{0F78D9C4-20C1-4B15-A116-16DC77AD9A1E}" type="datetime1">
               <a:rPr lang="ko-KR" altLang="en-US" smtClean="0"/>
-              <a:t>2024-12-10</a:t>
+              <a:t>2025-04-23</a:t>
             </a:fld>
             <a:endParaRPr lang="ko-KR" altLang="en-US"/>
           </a:p>
